--- a/document/UI_ver2.pptx
+++ b/document/UI_ver2.pptx
@@ -209,7 +209,7 @@
           <a:p>
             <a:fld id="{347F54A4-A1E5-41EA-AFB7-745ACAC644F3}" type="datetimeFigureOut">
               <a:rPr lang="ko-KR" altLang="en-US" smtClean="0"/>
-              <a:t>2025-03-06</a:t>
+              <a:t>2025-03-11</a:t>
             </a:fld>
             <a:endParaRPr lang="ko-KR" altLang="en-US"/>
           </a:p>
@@ -923,7 +923,7 @@
           <a:p>
             <a:fld id="{B72E036F-CDEF-47A9-871C-CF66AFA16CFE}" type="datetimeFigureOut">
               <a:rPr lang="ko-KR" altLang="en-US" smtClean="0"/>
-              <a:t>2025-03-06</a:t>
+              <a:t>2025-03-11</a:t>
             </a:fld>
             <a:endParaRPr lang="ko-KR" altLang="en-US"/>
           </a:p>
@@ -1121,7 +1121,7 @@
           <a:p>
             <a:fld id="{B72E036F-CDEF-47A9-871C-CF66AFA16CFE}" type="datetimeFigureOut">
               <a:rPr lang="ko-KR" altLang="en-US" smtClean="0"/>
-              <a:t>2025-03-06</a:t>
+              <a:t>2025-03-11</a:t>
             </a:fld>
             <a:endParaRPr lang="ko-KR" altLang="en-US"/>
           </a:p>
@@ -1329,7 +1329,7 @@
           <a:p>
             <a:fld id="{B72E036F-CDEF-47A9-871C-CF66AFA16CFE}" type="datetimeFigureOut">
               <a:rPr lang="ko-KR" altLang="en-US" smtClean="0"/>
-              <a:t>2025-03-06</a:t>
+              <a:t>2025-03-11</a:t>
             </a:fld>
             <a:endParaRPr lang="ko-KR" altLang="en-US"/>
           </a:p>
@@ -1527,7 +1527,7 @@
           <a:p>
             <a:fld id="{B72E036F-CDEF-47A9-871C-CF66AFA16CFE}" type="datetimeFigureOut">
               <a:rPr lang="ko-KR" altLang="en-US" smtClean="0"/>
-              <a:t>2025-03-06</a:t>
+              <a:t>2025-03-11</a:t>
             </a:fld>
             <a:endParaRPr lang="ko-KR" altLang="en-US"/>
           </a:p>
@@ -1802,7 +1802,7 @@
           <a:p>
             <a:fld id="{B72E036F-CDEF-47A9-871C-CF66AFA16CFE}" type="datetimeFigureOut">
               <a:rPr lang="ko-KR" altLang="en-US" smtClean="0"/>
-              <a:t>2025-03-06</a:t>
+              <a:t>2025-03-11</a:t>
             </a:fld>
             <a:endParaRPr lang="ko-KR" altLang="en-US"/>
           </a:p>
@@ -2067,7 +2067,7 @@
           <a:p>
             <a:fld id="{B72E036F-CDEF-47A9-871C-CF66AFA16CFE}" type="datetimeFigureOut">
               <a:rPr lang="ko-KR" altLang="en-US" smtClean="0"/>
-              <a:t>2025-03-06</a:t>
+              <a:t>2025-03-11</a:t>
             </a:fld>
             <a:endParaRPr lang="ko-KR" altLang="en-US"/>
           </a:p>
@@ -2479,7 +2479,7 @@
           <a:p>
             <a:fld id="{B72E036F-CDEF-47A9-871C-CF66AFA16CFE}" type="datetimeFigureOut">
               <a:rPr lang="ko-KR" altLang="en-US" smtClean="0"/>
-              <a:t>2025-03-06</a:t>
+              <a:t>2025-03-11</a:t>
             </a:fld>
             <a:endParaRPr lang="ko-KR" altLang="en-US"/>
           </a:p>
@@ -2620,7 +2620,7 @@
           <a:p>
             <a:fld id="{B72E036F-CDEF-47A9-871C-CF66AFA16CFE}" type="datetimeFigureOut">
               <a:rPr lang="ko-KR" altLang="en-US" smtClean="0"/>
-              <a:t>2025-03-06</a:t>
+              <a:t>2025-03-11</a:t>
             </a:fld>
             <a:endParaRPr lang="ko-KR" altLang="en-US"/>
           </a:p>
@@ -2733,7 +2733,7 @@
           <a:p>
             <a:fld id="{B72E036F-CDEF-47A9-871C-CF66AFA16CFE}" type="datetimeFigureOut">
               <a:rPr lang="ko-KR" altLang="en-US" smtClean="0"/>
-              <a:t>2025-03-06</a:t>
+              <a:t>2025-03-11</a:t>
             </a:fld>
             <a:endParaRPr lang="ko-KR" altLang="en-US"/>
           </a:p>
@@ -3044,7 +3044,7 @@
           <a:p>
             <a:fld id="{B72E036F-CDEF-47A9-871C-CF66AFA16CFE}" type="datetimeFigureOut">
               <a:rPr lang="ko-KR" altLang="en-US" smtClean="0"/>
-              <a:t>2025-03-06</a:t>
+              <a:t>2025-03-11</a:t>
             </a:fld>
             <a:endParaRPr lang="ko-KR" altLang="en-US"/>
           </a:p>
@@ -3332,7 +3332,7 @@
           <a:p>
             <a:fld id="{B72E036F-CDEF-47A9-871C-CF66AFA16CFE}" type="datetimeFigureOut">
               <a:rPr lang="ko-KR" altLang="en-US" smtClean="0"/>
-              <a:t>2025-03-06</a:t>
+              <a:t>2025-03-11</a:t>
             </a:fld>
             <a:endParaRPr lang="ko-KR" altLang="en-US"/>
           </a:p>
@@ -3573,7 +3573,7 @@
           <a:p>
             <a:fld id="{B72E036F-CDEF-47A9-871C-CF66AFA16CFE}" type="datetimeFigureOut">
               <a:rPr lang="ko-KR" altLang="en-US" smtClean="0"/>
-              <a:t>2025-03-06</a:t>
+              <a:t>2025-03-11</a:t>
             </a:fld>
             <a:endParaRPr lang="ko-KR" altLang="en-US"/>
           </a:p>

--- a/document/UI_ver2.pptx
+++ b/document/UI_ver2.pptx
@@ -212,7 +212,7 @@
           <a:p>
             <a:fld id="{347F54A4-A1E5-41EA-AFB7-745ACAC644F3}" type="datetimeFigureOut">
               <a:rPr lang="ko-KR" altLang="en-US" smtClean="0"/>
-              <a:t>2025-03-30</a:t>
+              <a:t>2025-04-02</a:t>
             </a:fld>
             <a:endParaRPr lang="ko-KR" altLang="en-US"/>
           </a:p>
@@ -1034,7 +1034,7 @@
           <a:p>
             <a:fld id="{B72E036F-CDEF-47A9-871C-CF66AFA16CFE}" type="datetimeFigureOut">
               <a:rPr lang="ko-KR" altLang="en-US" smtClean="0"/>
-              <a:t>2025-03-30</a:t>
+              <a:t>2025-04-02</a:t>
             </a:fld>
             <a:endParaRPr lang="ko-KR" altLang="en-US"/>
           </a:p>
@@ -1232,7 +1232,7 @@
           <a:p>
             <a:fld id="{B72E036F-CDEF-47A9-871C-CF66AFA16CFE}" type="datetimeFigureOut">
               <a:rPr lang="ko-KR" altLang="en-US" smtClean="0"/>
-              <a:t>2025-03-30</a:t>
+              <a:t>2025-04-02</a:t>
             </a:fld>
             <a:endParaRPr lang="ko-KR" altLang="en-US"/>
           </a:p>
@@ -1440,7 +1440,7 @@
           <a:p>
             <a:fld id="{B72E036F-CDEF-47A9-871C-CF66AFA16CFE}" type="datetimeFigureOut">
               <a:rPr lang="ko-KR" altLang="en-US" smtClean="0"/>
-              <a:t>2025-03-30</a:t>
+              <a:t>2025-04-02</a:t>
             </a:fld>
             <a:endParaRPr lang="ko-KR" altLang="en-US"/>
           </a:p>
@@ -1638,7 +1638,7 @@
           <a:p>
             <a:fld id="{B72E036F-CDEF-47A9-871C-CF66AFA16CFE}" type="datetimeFigureOut">
               <a:rPr lang="ko-KR" altLang="en-US" smtClean="0"/>
-              <a:t>2025-03-30</a:t>
+              <a:t>2025-04-02</a:t>
             </a:fld>
             <a:endParaRPr lang="ko-KR" altLang="en-US"/>
           </a:p>
@@ -1913,7 +1913,7 @@
           <a:p>
             <a:fld id="{B72E036F-CDEF-47A9-871C-CF66AFA16CFE}" type="datetimeFigureOut">
               <a:rPr lang="ko-KR" altLang="en-US" smtClean="0"/>
-              <a:t>2025-03-30</a:t>
+              <a:t>2025-04-02</a:t>
             </a:fld>
             <a:endParaRPr lang="ko-KR" altLang="en-US"/>
           </a:p>
@@ -2178,7 +2178,7 @@
           <a:p>
             <a:fld id="{B72E036F-CDEF-47A9-871C-CF66AFA16CFE}" type="datetimeFigureOut">
               <a:rPr lang="ko-KR" altLang="en-US" smtClean="0"/>
-              <a:t>2025-03-30</a:t>
+              <a:t>2025-04-02</a:t>
             </a:fld>
             <a:endParaRPr lang="ko-KR" altLang="en-US"/>
           </a:p>
@@ -2590,7 +2590,7 @@
           <a:p>
             <a:fld id="{B72E036F-CDEF-47A9-871C-CF66AFA16CFE}" type="datetimeFigureOut">
               <a:rPr lang="ko-KR" altLang="en-US" smtClean="0"/>
-              <a:t>2025-03-30</a:t>
+              <a:t>2025-04-02</a:t>
             </a:fld>
             <a:endParaRPr lang="ko-KR" altLang="en-US"/>
           </a:p>
@@ -2731,7 +2731,7 @@
           <a:p>
             <a:fld id="{B72E036F-CDEF-47A9-871C-CF66AFA16CFE}" type="datetimeFigureOut">
               <a:rPr lang="ko-KR" altLang="en-US" smtClean="0"/>
-              <a:t>2025-03-30</a:t>
+              <a:t>2025-04-02</a:t>
             </a:fld>
             <a:endParaRPr lang="ko-KR" altLang="en-US"/>
           </a:p>
@@ -2844,7 +2844,7 @@
           <a:p>
             <a:fld id="{B72E036F-CDEF-47A9-871C-CF66AFA16CFE}" type="datetimeFigureOut">
               <a:rPr lang="ko-KR" altLang="en-US" smtClean="0"/>
-              <a:t>2025-03-30</a:t>
+              <a:t>2025-04-02</a:t>
             </a:fld>
             <a:endParaRPr lang="ko-KR" altLang="en-US"/>
           </a:p>
@@ -3155,7 +3155,7 @@
           <a:p>
             <a:fld id="{B72E036F-CDEF-47A9-871C-CF66AFA16CFE}" type="datetimeFigureOut">
               <a:rPr lang="ko-KR" altLang="en-US" smtClean="0"/>
-              <a:t>2025-03-30</a:t>
+              <a:t>2025-04-02</a:t>
             </a:fld>
             <a:endParaRPr lang="ko-KR" altLang="en-US"/>
           </a:p>
@@ -3443,7 +3443,7 @@
           <a:p>
             <a:fld id="{B72E036F-CDEF-47A9-871C-CF66AFA16CFE}" type="datetimeFigureOut">
               <a:rPr lang="ko-KR" altLang="en-US" smtClean="0"/>
-              <a:t>2025-03-30</a:t>
+              <a:t>2025-04-02</a:t>
             </a:fld>
             <a:endParaRPr lang="ko-KR" altLang="en-US"/>
           </a:p>
@@ -3684,7 +3684,7 @@
           <a:p>
             <a:fld id="{B72E036F-CDEF-47A9-871C-CF66AFA16CFE}" type="datetimeFigureOut">
               <a:rPr lang="ko-KR" altLang="en-US" smtClean="0"/>
-              <a:t>2025-03-30</a:t>
+              <a:t>2025-04-02</a:t>
             </a:fld>
             <a:endParaRPr lang="ko-KR" altLang="en-US"/>
           </a:p>
